--- a/slide/Ojima_XRLab_Report_1004_v4.pptx
+++ b/slide/Ojima_XRLab_Report_1004_v4.pptx
@@ -220,7 +220,7 @@
           <a:p>
             <a:fld id="{9A0FF65C-9091-4723-98CF-1BEA338658FB}" type="datetimeFigureOut">
               <a:rPr kumimoji="1" lang="ja-JP" altLang="en-US" smtClean="0"/>
-              <a:t>2023/10/8</a:t>
+              <a:t>2024/3/7</a:t>
             </a:fld>
             <a:endParaRPr kumimoji="1" lang="ja-JP" altLang="en-US"/>
           </a:p>
@@ -666,7 +666,7 @@
           <a:p>
             <a:fld id="{16F736B8-776D-4B4A-9F41-4696525363F8}" type="datetime1">
               <a:rPr kumimoji="1" lang="ja-JP" altLang="en-US" smtClean="0"/>
-              <a:t>2023/10/8</a:t>
+              <a:t>2024/3/7</a:t>
             </a:fld>
             <a:endParaRPr kumimoji="1" lang="ja-JP" altLang="en-US"/>
           </a:p>
@@ -896,7 +896,7 @@
           <a:p>
             <a:fld id="{0DA81B6D-9FE1-49E2-9B98-6E6D0D0CF1A6}" type="datetime1">
               <a:rPr kumimoji="1" lang="ja-JP" altLang="en-US" smtClean="0"/>
-              <a:t>2023/10/8</a:t>
+              <a:t>2024/3/7</a:t>
             </a:fld>
             <a:endParaRPr kumimoji="1" lang="ja-JP" altLang="en-US"/>
           </a:p>
@@ -1136,7 +1136,7 @@
           <a:p>
             <a:fld id="{194952A9-A161-4501-944F-2A165160FF58}" type="datetime1">
               <a:rPr kumimoji="1" lang="ja-JP" altLang="en-US" smtClean="0"/>
-              <a:t>2023/10/8</a:t>
+              <a:t>2024/3/7</a:t>
             </a:fld>
             <a:endParaRPr kumimoji="1" lang="ja-JP" altLang="en-US"/>
           </a:p>
@@ -1366,7 +1366,7 @@
           <a:p>
             <a:fld id="{0CC01A68-3B8B-4B75-AE1A-B4F3C5C6B6CD}" type="datetime1">
               <a:rPr kumimoji="1" lang="ja-JP" altLang="en-US" smtClean="0"/>
-              <a:t>2023/10/8</a:t>
+              <a:t>2024/3/7</a:t>
             </a:fld>
             <a:endParaRPr kumimoji="1" lang="ja-JP" altLang="en-US"/>
           </a:p>
@@ -1641,7 +1641,7 @@
           <a:p>
             <a:fld id="{CCC9D394-E7F3-40CE-AF55-421C51F9C7FA}" type="datetime1">
               <a:rPr kumimoji="1" lang="ja-JP" altLang="en-US" smtClean="0"/>
-              <a:t>2023/10/8</a:t>
+              <a:t>2024/3/7</a:t>
             </a:fld>
             <a:endParaRPr kumimoji="1" lang="ja-JP" altLang="en-US"/>
           </a:p>
@@ -1970,7 +1970,7 @@
           <a:p>
             <a:fld id="{ECFD291C-3E5A-488E-A281-799BEB2F9B21}" type="datetime1">
               <a:rPr kumimoji="1" lang="ja-JP" altLang="en-US" smtClean="0"/>
-              <a:t>2023/10/8</a:t>
+              <a:t>2024/3/7</a:t>
             </a:fld>
             <a:endParaRPr kumimoji="1" lang="ja-JP" altLang="en-US"/>
           </a:p>
@@ -2446,7 +2446,7 @@
           <a:p>
             <a:fld id="{C8AF5852-CC3B-45EA-BEDB-DEC2A49DAC56}" type="datetime1">
               <a:rPr kumimoji="1" lang="ja-JP" altLang="en-US" smtClean="0"/>
-              <a:t>2023/10/8</a:t>
+              <a:t>2024/3/7</a:t>
             </a:fld>
             <a:endParaRPr kumimoji="1" lang="ja-JP" altLang="en-US"/>
           </a:p>
@@ -2587,7 +2587,7 @@
           <a:p>
             <a:fld id="{D96AB849-CFA1-4EE4-BD1B-89C173F81863}" type="datetime1">
               <a:rPr kumimoji="1" lang="ja-JP" altLang="en-US" smtClean="0"/>
-              <a:t>2023/10/8</a:t>
+              <a:t>2024/3/7</a:t>
             </a:fld>
             <a:endParaRPr kumimoji="1" lang="ja-JP" altLang="en-US"/>
           </a:p>
@@ -2700,7 +2700,7 @@
           <a:p>
             <a:fld id="{AAA1D495-684D-463A-9D3E-D40EEFEF8F80}" type="datetime1">
               <a:rPr kumimoji="1" lang="ja-JP" altLang="en-US" smtClean="0"/>
-              <a:t>2023/10/8</a:t>
+              <a:t>2024/3/7</a:t>
             </a:fld>
             <a:endParaRPr kumimoji="1" lang="ja-JP" altLang="en-US"/>
           </a:p>
@@ -3043,7 +3043,7 @@
           <a:p>
             <a:fld id="{0E4FE9AB-A6D6-4179-A5AB-7FE31807FE8C}" type="datetime1">
               <a:rPr kumimoji="1" lang="ja-JP" altLang="en-US" smtClean="0"/>
-              <a:t>2023/10/8</a:t>
+              <a:t>2024/3/7</a:t>
             </a:fld>
             <a:endParaRPr kumimoji="1" lang="ja-JP" altLang="en-US"/>
           </a:p>
@@ -3331,7 +3331,7 @@
           <a:p>
             <a:fld id="{89B9FCFD-CE98-49DD-B64B-DE2EC51BDCD0}" type="datetime1">
               <a:rPr kumimoji="1" lang="ja-JP" altLang="en-US" smtClean="0"/>
-              <a:t>2023/10/8</a:t>
+              <a:t>2024/3/7</a:t>
             </a:fld>
             <a:endParaRPr kumimoji="1" lang="ja-JP" altLang="en-US"/>
           </a:p>
@@ -3604,7 +3604,7 @@
           <a:p>
             <a:fld id="{A39EE955-573C-43AC-A439-3AAB46D95749}" type="datetime1">
               <a:rPr kumimoji="1" lang="ja-JP" altLang="en-US" smtClean="0"/>
-              <a:t>2023/10/8</a:t>
+              <a:t>2024/3/7</a:t>
             </a:fld>
             <a:endParaRPr kumimoji="1" lang="ja-JP" altLang="en-US"/>
           </a:p>
@@ -32116,7 +32116,7 @@
         </p:nvSpPr>
         <p:spPr>
           <a:xfrm>
-            <a:off x="1397681" y="4176599"/>
+            <a:off x="1421416" y="4155108"/>
             <a:ext cx="2325190" cy="1669979"/>
           </a:xfrm>
           <a:prstGeom prst="ellipse">
@@ -32171,7 +32171,7 @@
         </p:nvGrpSpPr>
         <p:grpSpPr>
           <a:xfrm>
-            <a:off x="1253989" y="4152332"/>
+            <a:off x="1277724" y="4130841"/>
             <a:ext cx="2677886" cy="1669980"/>
             <a:chOff x="3061397" y="4022814"/>
             <a:chExt cx="2130719" cy="1670961"/>
